--- a/ClassMaterials/ComparableAndComparators/Slides/Part1-ComparableComparator.pptx
+++ b/ClassMaterials/ComparableAndComparators/Slides/Part1-ComparableComparator.pptx
@@ -5,21 +5,23 @@
     <p:sldMasterId id="2147484539" r:id="rId4"/>
   </p:sldMasterIdLst>
   <p:notesMasterIdLst>
-    <p:notesMasterId r:id="rId14"/>
+    <p:notesMasterId r:id="rId16"/>
   </p:notesMasterIdLst>
   <p:handoutMasterIdLst>
-    <p:handoutMasterId r:id="rId15"/>
+    <p:handoutMasterId r:id="rId17"/>
   </p:handoutMasterIdLst>
   <p:sldIdLst>
     <p:sldId id="305" r:id="rId5"/>
     <p:sldId id="289" r:id="rId6"/>
     <p:sldId id="301" r:id="rId7"/>
     <p:sldId id="302" r:id="rId8"/>
-    <p:sldId id="280" r:id="rId9"/>
-    <p:sldId id="304" r:id="rId10"/>
-    <p:sldId id="281" r:id="rId11"/>
-    <p:sldId id="303" r:id="rId12"/>
-    <p:sldId id="306" r:id="rId13"/>
+    <p:sldId id="308" r:id="rId9"/>
+    <p:sldId id="280" r:id="rId10"/>
+    <p:sldId id="304" r:id="rId11"/>
+    <p:sldId id="281" r:id="rId12"/>
+    <p:sldId id="303" r:id="rId13"/>
+    <p:sldId id="306" r:id="rId14"/>
+    <p:sldId id="309" r:id="rId15"/>
   </p:sldIdLst>
   <p:sldSz cx="9144000" cy="6858000" type="screen4x3"/>
   <p:notesSz cx="7315200" cy="9601200"/>
@@ -170,30 +172,6 @@
 <file path=ppt/changesInfos/changesInfo1.xml><?xml version="1.0" encoding="utf-8"?>
 <pc:chgInfo xmlns:a="http://schemas.openxmlformats.org/drawingml/2006/main" xmlns:r="http://schemas.openxmlformats.org/officeDocument/2006/relationships" xmlns:ac="http://schemas.microsoft.com/office/drawing/2013/main/command" xmlns:pc="http://schemas.microsoft.com/office/powerpoint/2013/main/command">
   <pc:docChgLst>
-    <pc:chgData name="Letscher, Emma" userId="S::letscher@rose-hulman.edu::20371dcc-26e5-4071-a277-9ad1573a75d4" providerId="AD" clId="Web-{64CD517A-63B4-4512-AD92-F40D4A1E82E9}"/>
-    <pc:docChg chg="modSld">
-      <pc:chgData name="Letscher, Emma" userId="S::letscher@rose-hulman.edu::20371dcc-26e5-4071-a277-9ad1573a75d4" providerId="AD" clId="Web-{64CD517A-63B4-4512-AD92-F40D4A1E82E9}" dt="2021-11-18T02:10:36.489" v="1" actId="1076"/>
-      <pc:docMkLst>
-        <pc:docMk/>
-      </pc:docMkLst>
-      <pc:sldChg chg="modSp">
-        <pc:chgData name="Letscher, Emma" userId="S::letscher@rose-hulman.edu::20371dcc-26e5-4071-a277-9ad1573a75d4" providerId="AD" clId="Web-{64CD517A-63B4-4512-AD92-F40D4A1E82E9}" dt="2021-11-18T02:10:36.489" v="1" actId="1076"/>
-        <pc:sldMkLst>
-          <pc:docMk/>
-          <pc:sldMk cId="1039415562" sldId="304"/>
-        </pc:sldMkLst>
-        <pc:spChg chg="mod">
-          <ac:chgData name="Letscher, Emma" userId="S::letscher@rose-hulman.edu::20371dcc-26e5-4071-a277-9ad1573a75d4" providerId="AD" clId="Web-{64CD517A-63B4-4512-AD92-F40D4A1E82E9}" dt="2021-11-18T02:10:36.489" v="1" actId="1076"/>
-          <ac:spMkLst>
-            <pc:docMk/>
-            <pc:sldMk cId="1039415562" sldId="304"/>
-            <ac:spMk id="7" creationId="{00000000-0000-0000-0000-000000000000}"/>
-          </ac:spMkLst>
-        </pc:spChg>
-      </pc:sldChg>
-    </pc:docChg>
-  </pc:docChgLst>
-  <pc:docChgLst>
     <pc:chgData name="Yoder, Jason" userId="28f4d4d8-da04-4f86-b14d-a21675737bc5" providerId="ADAL" clId="{B5CDA315-5407-44F3-A202-B5DD010C8C1E}"/>
     <pc:docChg chg="custSel addSld modSld">
       <pc:chgData name="Yoder, Jason" userId="28f4d4d8-da04-4f86-b14d-a21675737bc5" providerId="ADAL" clId="{B5CDA315-5407-44F3-A202-B5DD010C8C1E}" dt="2023-11-20T21:19:33.070" v="1454" actId="14100"/>
@@ -300,6 +278,30 @@
       </pc:sldChg>
     </pc:docChg>
   </pc:docChgLst>
+  <pc:docChgLst>
+    <pc:chgData name="Letscher, Emma" userId="S::letscher@rose-hulman.edu::20371dcc-26e5-4071-a277-9ad1573a75d4" providerId="AD" clId="Web-{64CD517A-63B4-4512-AD92-F40D4A1E82E9}"/>
+    <pc:docChg chg="modSld">
+      <pc:chgData name="Letscher, Emma" userId="S::letscher@rose-hulman.edu::20371dcc-26e5-4071-a277-9ad1573a75d4" providerId="AD" clId="Web-{64CD517A-63B4-4512-AD92-F40D4A1E82E9}" dt="2021-11-18T02:10:36.489" v="1" actId="1076"/>
+      <pc:docMkLst>
+        <pc:docMk/>
+      </pc:docMkLst>
+      <pc:sldChg chg="modSp">
+        <pc:chgData name="Letscher, Emma" userId="S::letscher@rose-hulman.edu::20371dcc-26e5-4071-a277-9ad1573a75d4" providerId="AD" clId="Web-{64CD517A-63B4-4512-AD92-F40D4A1E82E9}" dt="2021-11-18T02:10:36.489" v="1" actId="1076"/>
+        <pc:sldMkLst>
+          <pc:docMk/>
+          <pc:sldMk cId="1039415562" sldId="304"/>
+        </pc:sldMkLst>
+        <pc:spChg chg="mod">
+          <ac:chgData name="Letscher, Emma" userId="S::letscher@rose-hulman.edu::20371dcc-26e5-4071-a277-9ad1573a75d4" providerId="AD" clId="Web-{64CD517A-63B4-4512-AD92-F40D4A1E82E9}" dt="2021-11-18T02:10:36.489" v="1" actId="1076"/>
+          <ac:spMkLst>
+            <pc:docMk/>
+            <pc:sldMk cId="1039415562" sldId="304"/>
+            <ac:spMk id="7" creationId="{00000000-0000-0000-0000-000000000000}"/>
+          </ac:spMkLst>
+        </pc:spChg>
+      </pc:sldChg>
+    </pc:docChg>
+  </pc:docChgLst>
 </pc:chgInfo>
 </file>
 
@@ -420,7 +422,7 @@
               <a:pPr>
                 <a:defRPr/>
               </a:pPr>
-              <a:t>11/20/2023</a:t>
+              <a:t>2/25/2024</a:t>
             </a:fld>
             <a:endParaRPr lang="en-US"/>
           </a:p>
@@ -655,7 +657,7 @@
               <a:pPr>
                 <a:defRPr/>
               </a:pPr>
-              <a:t>11/20/2023</a:t>
+              <a:t>2/25/2024</a:t>
             </a:fld>
             <a:endParaRPr lang="en-US"/>
           </a:p>
@@ -1339,29 +1341,19 @@
       </p:grpSpPr>
       <p:sp>
         <p:nvSpPr>
-          <p:cNvPr id="61442" name="Rectangle 2"/>
-          <p:cNvSpPr>
-            <a:spLocks noGrp="1" noRot="1" noChangeAspect="1" noTextEdit="1"/>
+          <p:cNvPr id="2" name="Slide Image Placeholder 1"/>
+          <p:cNvSpPr>
+            <a:spLocks noGrp="1" noRot="1" noChangeAspect="1"/>
           </p:cNvSpPr>
           <p:nvPr>
             <p:ph type="sldImg"/>
           </p:nvPr>
         </p:nvSpPr>
-        <p:spPr bwMode="auto">
-          <a:noFill/>
-          <a:ln>
-            <a:solidFill>
-              <a:srgbClr val="000000"/>
-            </a:solidFill>
-            <a:miter lim="800000"/>
-            <a:headEnd/>
-            <a:tailEnd/>
-          </a:ln>
-        </p:spPr>
-      </p:sp>
-      <p:sp>
-        <p:nvSpPr>
-          <p:cNvPr id="61443" name="Rectangle 3"/>
+        <p:spPr/>
+      </p:sp>
+      <p:sp>
+        <p:nvSpPr>
+          <p:cNvPr id="3" name="Notes Placeholder 2"/>
           <p:cNvSpPr>
             <a:spLocks noGrp="1"/>
           </p:cNvSpPr>
@@ -1369,17 +1361,20 @@
             <p:ph type="body" idx="1"/>
           </p:nvPr>
         </p:nvSpPr>
-        <p:spPr>
-          <a:noFill/>
-          <a:ln/>
-        </p:spPr>
+        <p:spPr/>
         <p:txBody>
           <a:bodyPr/>
           <a:lstStyle/>
           <a:p>
             <a:r>
               <a:rPr lang="en-US" dirty="0"/>
-              <a:t>The behavior of </a:t>
+              <a:t>Show this slide when students are trying to figure out how to check if two Strings are in order or not.</a:t>
+            </a:r>
+          </a:p>
+          <a:p>
+            <a:r>
+              <a:rPr lang="en-US" dirty="0"/>
+              <a:t>Much easier to just use the built-in </a:t>
             </a:r>
             <a:r>
               <a:rPr lang="en-US" dirty="0" err="1"/>
@@ -1387,23 +1382,50 @@
             </a:r>
             <a:r>
               <a:rPr lang="en-US" dirty="0"/>
-              <a:t>() is described</a:t>
-            </a:r>
-            <a:r>
-              <a:rPr lang="en-US" baseline="0" dirty="0"/>
-              <a:t> in the Comparable interface.</a:t>
-            </a:r>
+              <a:t> method in the String class than setting up your own custom String order</a:t>
+            </a:r>
+          </a:p>
+          <a:p>
             <a:r>
               <a:rPr lang="en-US" dirty="0"/>
-              <a:t> </a:t>
-            </a:r>
+              <a:t>method.</a:t>
+            </a:r>
+          </a:p>
+        </p:txBody>
+      </p:sp>
+      <p:sp>
+        <p:nvSpPr>
+          <p:cNvPr id="4" name="Slide Number Placeholder 3"/>
+          <p:cNvSpPr>
+            <a:spLocks noGrp="1"/>
+          </p:cNvSpPr>
+          <p:nvPr>
+            <p:ph type="sldNum" sz="quarter" idx="5"/>
+          </p:nvPr>
+        </p:nvSpPr>
+        <p:spPr/>
+        <p:txBody>
+          <a:bodyPr/>
+          <a:lstStyle/>
+          <a:p>
+            <a:pPr>
+              <a:defRPr/>
+            </a:pPr>
+            <a:fld id="{5B2F295C-7880-493E-AD25-F933224B0C47}" type="slidenum">
+              <a:rPr lang="en-US" smtClean="0"/>
+              <a:pPr>
+                <a:defRPr/>
+              </a:pPr>
+              <a:t>5</a:t>
+            </a:fld>
+            <a:endParaRPr lang="en-US"/>
           </a:p>
         </p:txBody>
       </p:sp>
     </p:spTree>
     <p:extLst>
       <p:ext uri="{BB962C8B-B14F-4D97-AF65-F5344CB8AC3E}">
-        <p14:creationId xmlns:p14="http://schemas.microsoft.com/office/powerpoint/2010/main" val="1669877337"/>
+        <p14:creationId xmlns:p14="http://schemas.microsoft.com/office/powerpoint/2010/main" val="3864388727"/>
       </p:ext>
     </p:extLst>
   </p:cSld>
@@ -1432,19 +1454,29 @@
       </p:grpSpPr>
       <p:sp>
         <p:nvSpPr>
-          <p:cNvPr id="2" name="Slide Image Placeholder 1"/>
-          <p:cNvSpPr>
-            <a:spLocks noGrp="1" noRot="1" noChangeAspect="1"/>
+          <p:cNvPr id="61442" name="Rectangle 2"/>
+          <p:cNvSpPr>
+            <a:spLocks noGrp="1" noRot="1" noChangeAspect="1" noTextEdit="1"/>
           </p:cNvSpPr>
           <p:nvPr>
             <p:ph type="sldImg"/>
           </p:nvPr>
         </p:nvSpPr>
-        <p:spPr/>
-      </p:sp>
-      <p:sp>
-        <p:nvSpPr>
-          <p:cNvPr id="3" name="Notes Placeholder 2"/>
+        <p:spPr bwMode="auto">
+          <a:noFill/>
+          <a:ln>
+            <a:solidFill>
+              <a:srgbClr val="000000"/>
+            </a:solidFill>
+            <a:miter lim="800000"/>
+            <a:headEnd/>
+            <a:tailEnd/>
+          </a:ln>
+        </p:spPr>
+      </p:sp>
+      <p:sp>
+        <p:nvSpPr>
+          <p:cNvPr id="61443" name="Rectangle 3"/>
           <p:cNvSpPr>
             <a:spLocks noGrp="1"/>
           </p:cNvSpPr>
@@ -1452,60 +1484,41 @@
             <p:ph type="body" idx="1"/>
           </p:nvPr>
         </p:nvSpPr>
-        <p:spPr/>
+        <p:spPr>
+          <a:noFill/>
+          <a:ln/>
+        </p:spPr>
         <p:txBody>
           <a:bodyPr/>
           <a:lstStyle/>
           <a:p>
             <a:r>
+              <a:rPr lang="en-US" dirty="0"/>
+              <a:t>The behavior of </a:t>
+            </a:r>
+            <a:r>
+              <a:rPr lang="en-US" dirty="0" err="1"/>
+              <a:t>compareTo</a:t>
+            </a:r>
+            <a:r>
+              <a:rPr lang="en-US" dirty="0"/>
+              <a:t>() is described</a:t>
+            </a:r>
+            <a:r>
               <a:rPr lang="en-US" baseline="0" dirty="0"/>
-              <a:t>Might want to ask them  to identify the sort. (</a:t>
+              <a:t> in the Comparable interface.</a:t>
             </a:r>
             <a:r>
               <a:rPr lang="en-US" dirty="0"/>
-              <a:t>This is selection</a:t>
-            </a:r>
-            <a:r>
-              <a:rPr lang="en-US" baseline="0" dirty="0"/>
-              <a:t> sort.)</a:t>
-            </a:r>
-            <a:endParaRPr lang="en-US" dirty="0"/>
-          </a:p>
-        </p:txBody>
-      </p:sp>
-      <p:sp>
-        <p:nvSpPr>
-          <p:cNvPr id="4" name="Slide Number Placeholder 3"/>
-          <p:cNvSpPr>
-            <a:spLocks noGrp="1"/>
-          </p:cNvSpPr>
-          <p:nvPr>
-            <p:ph type="sldNum" sz="quarter" idx="10"/>
-          </p:nvPr>
-        </p:nvSpPr>
-        <p:spPr/>
-        <p:txBody>
-          <a:bodyPr/>
-          <a:lstStyle/>
-          <a:p>
-            <a:pPr>
-              <a:defRPr/>
-            </a:pPr>
-            <a:fld id="{5B2F295C-7880-493E-AD25-F933224B0C47}" type="slidenum">
-              <a:rPr lang="en-US" smtClean="0"/>
-              <a:pPr>
-                <a:defRPr/>
-              </a:pPr>
-              <a:t>6</a:t>
-            </a:fld>
-            <a:endParaRPr lang="en-US"/>
+              <a:t> </a:t>
+            </a:r>
           </a:p>
         </p:txBody>
       </p:sp>
     </p:spTree>
     <p:extLst>
       <p:ext uri="{BB962C8B-B14F-4D97-AF65-F5344CB8AC3E}">
-        <p14:creationId xmlns:p14="http://schemas.microsoft.com/office/powerpoint/2010/main" val="1362711248"/>
+        <p14:creationId xmlns:p14="http://schemas.microsoft.com/office/powerpoint/2010/main" val="1669877337"/>
       </p:ext>
     </p:extLst>
   </p:cSld>
@@ -1534,29 +1547,19 @@
       </p:grpSpPr>
       <p:sp>
         <p:nvSpPr>
-          <p:cNvPr id="62466" name="Slide Image Placeholder 1"/>
-          <p:cNvSpPr>
-            <a:spLocks noGrp="1" noRot="1" noChangeAspect="1" noTextEdit="1"/>
+          <p:cNvPr id="2" name="Slide Image Placeholder 1"/>
+          <p:cNvSpPr>
+            <a:spLocks noGrp="1" noRot="1" noChangeAspect="1"/>
           </p:cNvSpPr>
           <p:nvPr>
             <p:ph type="sldImg"/>
           </p:nvPr>
         </p:nvSpPr>
-        <p:spPr bwMode="auto">
-          <a:noFill/>
-          <a:ln>
-            <a:solidFill>
-              <a:srgbClr val="000000"/>
-            </a:solidFill>
-            <a:miter lim="800000"/>
-            <a:headEnd/>
-            <a:tailEnd/>
-          </a:ln>
-        </p:spPr>
-      </p:sp>
-      <p:sp>
-        <p:nvSpPr>
-          <p:cNvPr id="62467" name="Notes Placeholder 2"/>
+        <p:spPr/>
+      </p:sp>
+      <p:sp>
+        <p:nvSpPr>
+          <p:cNvPr id="3" name="Notes Placeholder 2"/>
           <p:cNvSpPr>
             <a:spLocks noGrp="1"/>
           </p:cNvSpPr>
@@ -1564,127 +1567,50 @@
             <p:ph type="body" idx="1"/>
           </p:nvPr>
         </p:nvSpPr>
-        <p:spPr>
-          <a:noFill/>
-          <a:ln/>
-        </p:spPr>
+        <p:spPr/>
         <p:txBody>
           <a:bodyPr/>
           <a:lstStyle/>
           <a:p>
-            <a:pPr marL="0" marR="0" lvl="0" indent="0" algn="l" defTabSz="914400" rtl="0" eaLnBrk="0" fontAlgn="base" latinLnBrk="0" hangingPunct="0">
-              <a:lnSpc>
-                <a:spcPct val="100000"/>
-              </a:lnSpc>
-              <a:spcBef>
-                <a:spcPct val="30000"/>
-              </a:spcBef>
-              <a:spcAft>
-                <a:spcPct val="0"/>
-              </a:spcAft>
-              <a:buClrTx/>
-              <a:buSzTx/>
-              <a:buFontTx/>
-              <a:buNone/>
-              <a:tabLst/>
-              <a:defRPr/>
-            </a:pPr>
+            <a:r>
+              <a:rPr lang="en-US" baseline="0" dirty="0"/>
+              <a:t>Might want to ask them  to identify the sort. (</a:t>
+            </a:r>
             <a:r>
               <a:rPr lang="en-US" dirty="0"/>
-              <a:t>Complete TODO#3 for </a:t>
-            </a:r>
-            <a:r>
-              <a:rPr lang="en-US" dirty="0" err="1"/>
-              <a:t>RectangleDriver</a:t>
+              <a:t>This is selection</a:t>
+            </a:r>
+            <a:r>
+              <a:rPr lang="en-US" baseline="0" dirty="0"/>
+              <a:t> sort.)</a:t>
             </a:r>
             <a:endParaRPr lang="en-US" dirty="0"/>
           </a:p>
-          <a:p>
-            <a:pPr marL="0" marR="0" lvl="0" indent="0" algn="l" defTabSz="914400" rtl="0" eaLnBrk="0" fontAlgn="base" latinLnBrk="0" hangingPunct="0">
-              <a:lnSpc>
-                <a:spcPct val="100000"/>
-              </a:lnSpc>
-              <a:spcBef>
-                <a:spcPct val="30000"/>
-              </a:spcBef>
-              <a:spcAft>
-                <a:spcPct val="0"/>
-              </a:spcAft>
-              <a:buClrTx/>
-              <a:buSzTx/>
-              <a:buFontTx/>
-              <a:buNone/>
-              <a:tabLst/>
-              <a:defRPr/>
-            </a:pPr>
-            <a:r>
-              <a:rPr lang="en-US" baseline="0" dirty="0"/>
-              <a:t>Have students complete TODO #3 for </a:t>
-            </a:r>
-            <a:r>
-              <a:rPr lang="en-US" baseline="0" dirty="0" err="1"/>
-              <a:t>PersonDriver</a:t>
-            </a:r>
-            <a:endParaRPr lang="en-US" baseline="0" dirty="0"/>
-          </a:p>
-          <a:p>
-            <a:pPr marL="171450" indent="-171450">
-              <a:buFontTx/>
-              <a:buChar char="-"/>
-            </a:pPr>
-            <a:endParaRPr lang="en-US" baseline="0" dirty="0"/>
-          </a:p>
-          <a:p>
-            <a:pPr marL="171450" indent="-171450">
-              <a:buFontTx/>
-              <a:buChar char="-"/>
-            </a:pPr>
-            <a:r>
-              <a:rPr lang="en-US" baseline="0" dirty="0"/>
-              <a:t>Comparator is also an interface, like Comparable.  Comparator declares the compare() function while Comparable declares the </a:t>
-            </a:r>
-            <a:r>
-              <a:rPr lang="en-US" baseline="0" dirty="0" err="1"/>
-              <a:t>compareTo</a:t>
-            </a:r>
-            <a:r>
-              <a:rPr lang="en-US" baseline="0" dirty="0"/>
-              <a:t>() function.</a:t>
-            </a:r>
-          </a:p>
-          <a:p>
-            <a:pPr marL="171450" indent="-171450">
-              <a:buFontTx/>
-              <a:buChar char="-"/>
-            </a:pPr>
-            <a:r>
-              <a:rPr lang="en-US" baseline="0" dirty="0"/>
-              <a:t>Comparators are primarily used for collection objects to tell them how to order their elements.</a:t>
-            </a:r>
-            <a:endParaRPr lang="en-US" dirty="0"/>
-          </a:p>
-        </p:txBody>
-      </p:sp>
-      <p:sp>
-        <p:nvSpPr>
-          <p:cNvPr id="62468" name="Slide Number Placeholder 3"/>
-          <p:cNvSpPr>
-            <a:spLocks noGrp="1"/>
-          </p:cNvSpPr>
-          <p:nvPr>
-            <p:ph type="sldNum" sz="quarter" idx="5"/>
-          </p:nvPr>
-        </p:nvSpPr>
-        <p:spPr>
-          <a:noFill/>
-        </p:spPr>
+        </p:txBody>
+      </p:sp>
+      <p:sp>
+        <p:nvSpPr>
+          <p:cNvPr id="4" name="Slide Number Placeholder 3"/>
+          <p:cNvSpPr>
+            <a:spLocks noGrp="1"/>
+          </p:cNvSpPr>
+          <p:nvPr>
+            <p:ph type="sldNum" sz="quarter" idx="10"/>
+          </p:nvPr>
+        </p:nvSpPr>
+        <p:spPr/>
         <p:txBody>
           <a:bodyPr/>
           <a:lstStyle/>
           <a:p>
-            <a:fld id="{49D4A957-DB2F-4B5C-AC38-D1665CDF117F}" type="slidenum">
+            <a:pPr>
+              <a:defRPr/>
+            </a:pPr>
+            <a:fld id="{5B2F295C-7880-493E-AD25-F933224B0C47}" type="slidenum">
               <a:rPr lang="en-US" smtClean="0"/>
-              <a:pPr/>
+              <a:pPr>
+                <a:defRPr/>
+              </a:pPr>
               <a:t>7</a:t>
             </a:fld>
             <a:endParaRPr lang="en-US"/>
@@ -1694,7 +1620,7 @@
     </p:spTree>
     <p:extLst>
       <p:ext uri="{BB962C8B-B14F-4D97-AF65-F5344CB8AC3E}">
-        <p14:creationId xmlns:p14="http://schemas.microsoft.com/office/powerpoint/2010/main" val="164620316"/>
+        <p14:creationId xmlns:p14="http://schemas.microsoft.com/office/powerpoint/2010/main" val="1362711248"/>
       </p:ext>
     </p:extLst>
   </p:cSld>
@@ -1723,19 +1649,29 @@
       </p:grpSpPr>
       <p:sp>
         <p:nvSpPr>
-          <p:cNvPr id="2" name="Slide Image Placeholder 1"/>
-          <p:cNvSpPr>
-            <a:spLocks noGrp="1" noRot="1" noChangeAspect="1"/>
+          <p:cNvPr id="62466" name="Slide Image Placeholder 1"/>
+          <p:cNvSpPr>
+            <a:spLocks noGrp="1" noRot="1" noChangeAspect="1" noTextEdit="1"/>
           </p:cNvSpPr>
           <p:nvPr>
             <p:ph type="sldImg"/>
           </p:nvPr>
         </p:nvSpPr>
-        <p:spPr/>
-      </p:sp>
-      <p:sp>
-        <p:nvSpPr>
-          <p:cNvPr id="3" name="Notes Placeholder 2"/>
+        <p:spPr bwMode="auto">
+          <a:noFill/>
+          <a:ln>
+            <a:solidFill>
+              <a:srgbClr val="000000"/>
+            </a:solidFill>
+            <a:miter lim="800000"/>
+            <a:headEnd/>
+            <a:tailEnd/>
+          </a:ln>
+        </p:spPr>
+      </p:sp>
+      <p:sp>
+        <p:nvSpPr>
+          <p:cNvPr id="62467" name="Notes Placeholder 2"/>
           <p:cNvSpPr>
             <a:spLocks noGrp="1"/>
           </p:cNvSpPr>
@@ -1743,7 +1679,10 @@
             <p:ph type="body" idx="1"/>
           </p:nvPr>
         </p:nvSpPr>
-        <p:spPr/>
+        <p:spPr>
+          <a:noFill/>
+          <a:ln/>
+        </p:spPr>
         <p:txBody>
           <a:bodyPr/>
           <a:lstStyle/>
@@ -1767,16 +1706,13 @@
             </a:pPr>
             <a:r>
               <a:rPr lang="en-US" dirty="0"/>
-              <a:t>Similar to anonymous </a:t>
+              <a:t>Complete TODO#3 for </a:t>
             </a:r>
             <a:r>
               <a:rPr lang="en-US" dirty="0" err="1"/>
-              <a:t>ActionListeners</a:t>
-            </a:r>
-            <a:r>
-              <a:rPr lang="en-US" dirty="0"/>
-              <a:t>, we can create anonymous comparators:</a:t>
-            </a:r>
+              <a:t>RectangleDriver</a:t>
+            </a:r>
+            <a:endParaRPr lang="en-US" dirty="0"/>
           </a:p>
           <a:p>
             <a:pPr marL="0" marR="0" lvl="0" indent="0" algn="l" defTabSz="914400" rtl="0" eaLnBrk="0" fontAlgn="base" latinLnBrk="0" hangingPunct="0">
@@ -1796,57 +1732,9 @@
               <a:tabLst/>
               <a:defRPr/>
             </a:pPr>
-            <a:endParaRPr lang="en-US" dirty="0"/>
-          </a:p>
-          <a:p>
-            <a:pPr marL="0" marR="0" lvl="0" indent="0" algn="l" defTabSz="914400" rtl="0" eaLnBrk="0" fontAlgn="base" latinLnBrk="0" hangingPunct="0">
-              <a:lnSpc>
-                <a:spcPct val="100000"/>
-              </a:lnSpc>
-              <a:spcBef>
-                <a:spcPct val="30000"/>
-              </a:spcBef>
-              <a:spcAft>
-                <a:spcPct val="0"/>
-              </a:spcAft>
-              <a:buClrTx/>
-              <a:buSzTx/>
-              <a:buFontTx/>
-              <a:buNone/>
-              <a:tabLst/>
-              <a:defRPr/>
-            </a:pPr>
-            <a:r>
-              <a:rPr lang="en-US" dirty="0"/>
-              <a:t>Complete TODO#4 for </a:t>
-            </a:r>
-            <a:r>
-              <a:rPr lang="en-US" dirty="0" err="1"/>
-              <a:t>RectangleDriver</a:t>
-            </a:r>
-            <a:endParaRPr lang="en-US" dirty="0"/>
-          </a:p>
-          <a:p>
-            <a:pPr marL="0" marR="0" lvl="0" indent="0" algn="l" defTabSz="914400" rtl="0" eaLnBrk="0" fontAlgn="base" latinLnBrk="0" hangingPunct="0">
-              <a:lnSpc>
-                <a:spcPct val="100000"/>
-              </a:lnSpc>
-              <a:spcBef>
-                <a:spcPct val="30000"/>
-              </a:spcBef>
-              <a:spcAft>
-                <a:spcPct val="0"/>
-              </a:spcAft>
-              <a:buClrTx/>
-              <a:buSzTx/>
-              <a:buFontTx/>
-              <a:buNone/>
-              <a:tabLst/>
-              <a:defRPr/>
-            </a:pPr>
             <a:r>
               <a:rPr lang="en-US" baseline="0" dirty="0"/>
-              <a:t>Have students complete TODO #4 for  </a:t>
+              <a:t>Have students complete TODO #3 for </a:t>
             </a:r>
             <a:r>
               <a:rPr lang="en-US" baseline="0" dirty="0" err="1"/>
@@ -1855,13 +1743,46 @@
             <a:endParaRPr lang="en-US" baseline="0" dirty="0"/>
           </a:p>
           <a:p>
+            <a:pPr marL="171450" indent="-171450">
+              <a:buFontTx/>
+              <a:buChar char="-"/>
+            </a:pPr>
+            <a:endParaRPr lang="en-US" baseline="0" dirty="0"/>
+          </a:p>
+          <a:p>
+            <a:pPr marL="171450" indent="-171450">
+              <a:buFontTx/>
+              <a:buChar char="-"/>
+            </a:pPr>
+            <a:r>
+              <a:rPr lang="en-US" baseline="0" dirty="0"/>
+              <a:t>Comparator is also an interface, like Comparable.  Comparator declares the compare() function while Comparable declares the </a:t>
+            </a:r>
+            <a:r>
+              <a:rPr lang="en-US" baseline="0" dirty="0" err="1"/>
+              <a:t>compareTo</a:t>
+            </a:r>
+            <a:r>
+              <a:rPr lang="en-US" baseline="0" dirty="0"/>
+              <a:t>() function.</a:t>
+            </a:r>
+          </a:p>
+          <a:p>
+            <a:pPr marL="171450" indent="-171450">
+              <a:buFontTx/>
+              <a:buChar char="-"/>
+            </a:pPr>
+            <a:r>
+              <a:rPr lang="en-US" baseline="0" dirty="0"/>
+              <a:t>Comparators are primarily used for collection objects to tell them how to order their elements.</a:t>
+            </a:r>
             <a:endParaRPr lang="en-US" dirty="0"/>
           </a:p>
         </p:txBody>
       </p:sp>
       <p:sp>
         <p:nvSpPr>
-          <p:cNvPr id="4" name="Slide Number Placeholder 3"/>
+          <p:cNvPr id="62468" name="Slide Number Placeholder 3"/>
           <p:cNvSpPr>
             <a:spLocks noGrp="1"/>
           </p:cNvSpPr>
@@ -1869,19 +1790,16 @@
             <p:ph type="sldNum" sz="quarter" idx="5"/>
           </p:nvPr>
         </p:nvSpPr>
-        <p:spPr/>
+        <p:spPr>
+          <a:noFill/>
+        </p:spPr>
         <p:txBody>
           <a:bodyPr/>
           <a:lstStyle/>
           <a:p>
-            <a:pPr>
-              <a:defRPr/>
-            </a:pPr>
-            <a:fld id="{5B2F295C-7880-493E-AD25-F933224B0C47}" type="slidenum">
+            <a:fld id="{49D4A957-DB2F-4B5C-AC38-D1665CDF117F}" type="slidenum">
               <a:rPr lang="en-US" smtClean="0"/>
-              <a:pPr>
-                <a:defRPr/>
-              </a:pPr>
+              <a:pPr/>
               <a:t>8</a:t>
             </a:fld>
             <a:endParaRPr lang="en-US"/>
@@ -1891,7 +1809,7 @@
     </p:spTree>
     <p:extLst>
       <p:ext uri="{BB962C8B-B14F-4D97-AF65-F5344CB8AC3E}">
-        <p14:creationId xmlns:p14="http://schemas.microsoft.com/office/powerpoint/2010/main" val="918122707"/>
+        <p14:creationId xmlns:p14="http://schemas.microsoft.com/office/powerpoint/2010/main" val="164620316"/>
       </p:ext>
     </p:extLst>
   </p:cSld>
@@ -1945,25 +1863,114 @@
           <a:bodyPr/>
           <a:lstStyle/>
           <a:p>
+            <a:pPr marL="0" marR="0" lvl="0" indent="0" algn="l" defTabSz="914400" rtl="0" eaLnBrk="0" fontAlgn="base" latinLnBrk="0" hangingPunct="0">
+              <a:lnSpc>
+                <a:spcPct val="100000"/>
+              </a:lnSpc>
+              <a:spcBef>
+                <a:spcPct val="30000"/>
+              </a:spcBef>
+              <a:spcAft>
+                <a:spcPct val="0"/>
+              </a:spcAft>
+              <a:buClrTx/>
+              <a:buSzTx/>
+              <a:buFontTx/>
+              <a:buNone/>
+              <a:tabLst/>
+              <a:defRPr/>
+            </a:pPr>
             <a:r>
               <a:rPr lang="en-US" dirty="0"/>
-              <a:t>Not enough time to do this and let them work on project</a:t>
-            </a:r>
-          </a:p>
-          <a:p>
+              <a:t>Similar to anonymous </a:t>
+            </a:r>
+            <a:r>
+              <a:rPr lang="en-US" dirty="0" err="1"/>
+              <a:t>ActionListeners</a:t>
+            </a:r>
             <a:r>
               <a:rPr lang="en-US" dirty="0"/>
-              <a:t>They will be focused on the project at this point in the quarter</a:t>
-            </a:r>
-          </a:p>
-          <a:p>
+              <a:t>, we can create anonymous comparators:</a:t>
+            </a:r>
+          </a:p>
+          <a:p>
+            <a:pPr marL="0" marR="0" lvl="0" indent="0" algn="l" defTabSz="914400" rtl="0" eaLnBrk="0" fontAlgn="base" latinLnBrk="0" hangingPunct="0">
+              <a:lnSpc>
+                <a:spcPct val="100000"/>
+              </a:lnSpc>
+              <a:spcBef>
+                <a:spcPct val="30000"/>
+              </a:spcBef>
+              <a:spcAft>
+                <a:spcPct val="0"/>
+              </a:spcAft>
+              <a:buClrTx/>
+              <a:buSzTx/>
+              <a:buFontTx/>
+              <a:buNone/>
+              <a:tabLst/>
+              <a:defRPr/>
+            </a:pPr>
             <a:endParaRPr lang="en-US" dirty="0"/>
           </a:p>
           <a:p>
+            <a:pPr marL="0" marR="0" lvl="0" indent="0" algn="l" defTabSz="914400" rtl="0" eaLnBrk="0" fontAlgn="base" latinLnBrk="0" hangingPunct="0">
+              <a:lnSpc>
+                <a:spcPct val="100000"/>
+              </a:lnSpc>
+              <a:spcBef>
+                <a:spcPct val="30000"/>
+              </a:spcBef>
+              <a:spcAft>
+                <a:spcPct val="0"/>
+              </a:spcAft>
+              <a:buClrTx/>
+              <a:buSzTx/>
+              <a:buFontTx/>
+              <a:buNone/>
+              <a:tabLst/>
+              <a:defRPr/>
+            </a:pPr>
             <a:r>
               <a:rPr lang="en-US" dirty="0"/>
-              <a:t>Extra example In the function package</a:t>
-            </a:r>
+              <a:t>Complete TODO#4 for </a:t>
+            </a:r>
+            <a:r>
+              <a:rPr lang="en-US" dirty="0" err="1"/>
+              <a:t>RectangleDriver</a:t>
+            </a:r>
+            <a:endParaRPr lang="en-US" dirty="0"/>
+          </a:p>
+          <a:p>
+            <a:pPr marL="0" marR="0" lvl="0" indent="0" algn="l" defTabSz="914400" rtl="0" eaLnBrk="0" fontAlgn="base" latinLnBrk="0" hangingPunct="0">
+              <a:lnSpc>
+                <a:spcPct val="100000"/>
+              </a:lnSpc>
+              <a:spcBef>
+                <a:spcPct val="30000"/>
+              </a:spcBef>
+              <a:spcAft>
+                <a:spcPct val="0"/>
+              </a:spcAft>
+              <a:buClrTx/>
+              <a:buSzTx/>
+              <a:buFontTx/>
+              <a:buNone/>
+              <a:tabLst/>
+              <a:defRPr/>
+            </a:pPr>
+            <a:r>
+              <a:rPr lang="en-US" baseline="0" dirty="0"/>
+              <a:t>Have students complete TODO #4 for  </a:t>
+            </a:r>
+            <a:r>
+              <a:rPr lang="en-US" baseline="0" dirty="0" err="1"/>
+              <a:t>PersonDriver</a:t>
+            </a:r>
+            <a:endParaRPr lang="en-US" baseline="0" dirty="0"/>
+          </a:p>
+          <a:p>
+            <a:endParaRPr lang="en-US" dirty="0"/>
           </a:p>
         </p:txBody>
       </p:sp>
@@ -1991,6 +1998,114 @@
                 <a:defRPr/>
               </a:pPr>
               <a:t>9</a:t>
+            </a:fld>
+            <a:endParaRPr lang="en-US"/>
+          </a:p>
+        </p:txBody>
+      </p:sp>
+    </p:spTree>
+    <p:extLst>
+      <p:ext uri="{BB962C8B-B14F-4D97-AF65-F5344CB8AC3E}">
+        <p14:creationId xmlns:p14="http://schemas.microsoft.com/office/powerpoint/2010/main" val="918122707"/>
+      </p:ext>
+    </p:extLst>
+  </p:cSld>
+  <p:clrMapOvr>
+    <a:masterClrMapping/>
+  </p:clrMapOvr>
+</p:notes>
+</file>
+
+<file path=ppt/notesSlides/notesSlide8.xml><?xml version="1.0" encoding="utf-8"?>
+<p:notes xmlns:a="http://schemas.openxmlformats.org/drawingml/2006/main" xmlns:r="http://schemas.openxmlformats.org/officeDocument/2006/relationships" xmlns:p="http://schemas.openxmlformats.org/presentationml/2006/main">
+  <p:cSld>
+    <p:spTree>
+      <p:nvGrpSpPr>
+        <p:cNvPr id="1" name=""/>
+        <p:cNvGrpSpPr/>
+        <p:nvPr/>
+      </p:nvGrpSpPr>
+      <p:grpSpPr>
+        <a:xfrm>
+          <a:off x="0" y="0"/>
+          <a:ext cx="0" cy="0"/>
+          <a:chOff x="0" y="0"/>
+          <a:chExt cx="0" cy="0"/>
+        </a:xfrm>
+      </p:grpSpPr>
+      <p:sp>
+        <p:nvSpPr>
+          <p:cNvPr id="2" name="Slide Image Placeholder 1"/>
+          <p:cNvSpPr>
+            <a:spLocks noGrp="1" noRot="1" noChangeAspect="1"/>
+          </p:cNvSpPr>
+          <p:nvPr>
+            <p:ph type="sldImg"/>
+          </p:nvPr>
+        </p:nvSpPr>
+        <p:spPr/>
+      </p:sp>
+      <p:sp>
+        <p:nvSpPr>
+          <p:cNvPr id="3" name="Notes Placeholder 2"/>
+          <p:cNvSpPr>
+            <a:spLocks noGrp="1"/>
+          </p:cNvSpPr>
+          <p:nvPr>
+            <p:ph type="body" idx="1"/>
+          </p:nvPr>
+        </p:nvSpPr>
+        <p:spPr/>
+        <p:txBody>
+          <a:bodyPr/>
+          <a:lstStyle/>
+          <a:p>
+            <a:r>
+              <a:rPr lang="en-US" dirty="0"/>
+              <a:t>Not enough time to do this and let them work on project</a:t>
+            </a:r>
+          </a:p>
+          <a:p>
+            <a:r>
+              <a:rPr lang="en-US" dirty="0"/>
+              <a:t>They will be focused on the project at this point in the quarter</a:t>
+            </a:r>
+          </a:p>
+          <a:p>
+            <a:endParaRPr lang="en-US" dirty="0"/>
+          </a:p>
+          <a:p>
+            <a:r>
+              <a:rPr lang="en-US" dirty="0"/>
+              <a:t>Extra example In the function package</a:t>
+            </a:r>
+          </a:p>
+        </p:txBody>
+      </p:sp>
+      <p:sp>
+        <p:nvSpPr>
+          <p:cNvPr id="4" name="Slide Number Placeholder 3"/>
+          <p:cNvSpPr>
+            <a:spLocks noGrp="1"/>
+          </p:cNvSpPr>
+          <p:nvPr>
+            <p:ph type="sldNum" sz="quarter" idx="5"/>
+          </p:nvPr>
+        </p:nvSpPr>
+        <p:spPr/>
+        <p:txBody>
+          <a:bodyPr/>
+          <a:lstStyle/>
+          <a:p>
+            <a:pPr>
+              <a:defRPr/>
+            </a:pPr>
+            <a:fld id="{5B2F295C-7880-493E-AD25-F933224B0C47}" type="slidenum">
+              <a:rPr lang="en-US" smtClean="0"/>
+              <a:pPr>
+                <a:defRPr/>
+              </a:pPr>
+              <a:t>10</a:t>
             </a:fld>
             <a:endParaRPr lang="en-US"/>
           </a:p>
@@ -2194,7 +2309,7 @@
               <a:pPr>
                 <a:defRPr/>
               </a:pPr>
-              <a:t>Monday, November 20, 2023</a:t>
+              <a:t>Sunday, February 25, 2024</a:t>
             </a:fld>
             <a:endParaRPr lang="en-US" dirty="0"/>
           </a:p>
@@ -2377,7 +2492,7 @@
               <a:pPr>
                 <a:defRPr/>
               </a:pPr>
-              <a:t>Monday, November 20, 2023</a:t>
+              <a:t>Sunday, February 25, 2024</a:t>
             </a:fld>
             <a:endParaRPr lang="en-US" dirty="0"/>
           </a:p>
@@ -2570,7 +2685,7 @@
               <a:pPr>
                 <a:defRPr/>
               </a:pPr>
-              <a:t>Monday, November 20, 2023</a:t>
+              <a:t>Sunday, February 25, 2024</a:t>
             </a:fld>
             <a:endParaRPr lang="en-US" dirty="0"/>
           </a:p>
@@ -2753,7 +2868,7 @@
               <a:pPr>
                 <a:defRPr/>
               </a:pPr>
-              <a:t>Monday, November 20, 2023</a:t>
+              <a:t>Sunday, February 25, 2024</a:t>
             </a:fld>
             <a:endParaRPr lang="en-US" dirty="0"/>
           </a:p>
@@ -3013,7 +3128,7 @@
               <a:pPr>
                 <a:defRPr/>
               </a:pPr>
-              <a:t>Monday, November 20, 2023</a:t>
+              <a:t>Sunday, February 25, 2024</a:t>
             </a:fld>
             <a:endParaRPr lang="en-US"/>
           </a:p>
@@ -3313,7 +3428,7 @@
               <a:pPr>
                 <a:defRPr/>
               </a:pPr>
-              <a:t>Monday, November 20, 2023</a:t>
+              <a:t>Sunday, February 25, 2024</a:t>
             </a:fld>
             <a:endParaRPr lang="en-US"/>
           </a:p>
@@ -3747,7 +3862,7 @@
               <a:pPr>
                 <a:defRPr/>
               </a:pPr>
-              <a:t>Monday, November 20, 2023</a:t>
+              <a:t>Sunday, February 25, 2024</a:t>
             </a:fld>
             <a:endParaRPr lang="en-US"/>
           </a:p>
@@ -3879,7 +3994,7 @@
               <a:pPr>
                 <a:defRPr/>
               </a:pPr>
-              <a:t>Monday, November 20, 2023</a:t>
+              <a:t>Sunday, February 25, 2024</a:t>
             </a:fld>
             <a:endParaRPr lang="en-US"/>
           </a:p>
@@ -3989,7 +4104,7 @@
               <a:pPr>
                 <a:defRPr/>
               </a:pPr>
-              <a:t>Monday, November 20, 2023</a:t>
+              <a:t>Sunday, February 25, 2024</a:t>
             </a:fld>
             <a:endParaRPr lang="en-US" dirty="0"/>
           </a:p>
@@ -4279,7 +4394,7 @@
               <a:pPr>
                 <a:defRPr/>
               </a:pPr>
-              <a:t>Monday, November 20, 2023</a:t>
+              <a:t>Sunday, February 25, 2024</a:t>
             </a:fld>
             <a:endParaRPr lang="en-US"/>
           </a:p>
@@ -4546,7 +4661,7 @@
               <a:pPr>
                 <a:defRPr/>
               </a:pPr>
-              <a:t>Monday, November 20, 2023</a:t>
+              <a:t>Sunday, February 25, 2024</a:t>
             </a:fld>
             <a:endParaRPr lang="en-US"/>
           </a:p>
@@ -4772,7 +4887,7 @@
               <a:pPr>
                 <a:defRPr/>
               </a:pPr>
-              <a:t>Monday, November 20, 2023</a:t>
+              <a:t>Sunday, February 25, 2024</a:t>
             </a:fld>
             <a:endParaRPr lang="en-US" dirty="0"/>
           </a:p>
@@ -5385,13 +5500,18 @@
           </a:p>
           <a:p>
             <a:r>
-              <a:rPr lang="en-US" sz="4400" dirty="0">
+              <a:rPr lang="en-US" sz="4400">
                 <a:highlight>
                   <a:srgbClr val="FFFF00"/>
                 </a:highlight>
               </a:rPr>
-              <a:t>__________</a:t>
-            </a:r>
+              <a:t>___________</a:t>
+            </a:r>
+            <a:endParaRPr lang="en-US" sz="4400" dirty="0">
+              <a:highlight>
+                <a:srgbClr val="FFFF00"/>
+              </a:highlight>
+            </a:endParaRPr>
           </a:p>
         </p:txBody>
       </p:sp>
@@ -5415,6 +5535,292 @@
 </p:sld>
 </file>
 
+<file path=ppt/slides/slide10.xml><?xml version="1.0" encoding="utf-8"?>
+<p:sld xmlns:a="http://schemas.openxmlformats.org/drawingml/2006/main" xmlns:r="http://schemas.openxmlformats.org/officeDocument/2006/relationships" xmlns:p="http://schemas.openxmlformats.org/presentationml/2006/main">
+  <p:cSld>
+    <p:spTree>
+      <p:nvGrpSpPr>
+        <p:cNvPr id="1" name=""/>
+        <p:cNvGrpSpPr/>
+        <p:nvPr/>
+      </p:nvGrpSpPr>
+      <p:grpSpPr>
+        <a:xfrm>
+          <a:off x="0" y="0"/>
+          <a:ext cx="0" cy="0"/>
+          <a:chOff x="0" y="0"/>
+          <a:chExt cx="0" cy="0"/>
+        </a:xfrm>
+      </p:grpSpPr>
+      <p:sp>
+        <p:nvSpPr>
+          <p:cNvPr id="2" name="Title 1">
+            <a:extLst>
+              <a:ext uri="{FF2B5EF4-FFF2-40B4-BE49-F238E27FC236}">
+                <a16:creationId xmlns:a16="http://schemas.microsoft.com/office/drawing/2014/main" id="{563F3E44-2F9A-CC8F-BBBE-98B2E5CEFBD3}"/>
+              </a:ext>
+            </a:extLst>
+          </p:cNvPr>
+          <p:cNvSpPr>
+            <a:spLocks noGrp="1"/>
+          </p:cNvSpPr>
+          <p:nvPr>
+            <p:ph type="title"/>
+          </p:nvPr>
+        </p:nvSpPr>
+        <p:spPr/>
+        <p:txBody>
+          <a:bodyPr/>
+          <a:lstStyle/>
+          <a:p>
+            <a:r>
+              <a:rPr lang="en-US" dirty="0"/>
+              <a:t>Extra Comparator Practice</a:t>
+            </a:r>
+          </a:p>
+        </p:txBody>
+      </p:sp>
+      <p:sp>
+        <p:nvSpPr>
+          <p:cNvPr id="3" name="Content Placeholder 2">
+            <a:extLst>
+              <a:ext uri="{FF2B5EF4-FFF2-40B4-BE49-F238E27FC236}">
+                <a16:creationId xmlns:a16="http://schemas.microsoft.com/office/drawing/2014/main" id="{7FD7CAED-8F04-42A1-5279-4CF44CB623C3}"/>
+              </a:ext>
+            </a:extLst>
+          </p:cNvPr>
+          <p:cNvSpPr>
+            <a:spLocks noGrp="1"/>
+          </p:cNvSpPr>
+          <p:nvPr>
+            <p:ph idx="1"/>
+          </p:nvPr>
+        </p:nvSpPr>
+        <p:spPr/>
+        <p:txBody>
+          <a:bodyPr/>
+          <a:lstStyle/>
+          <a:p>
+            <a:r>
+              <a:rPr lang="en-US" dirty="0"/>
+              <a:t>See function package for additional practice</a:t>
+            </a:r>
+          </a:p>
+          <a:p>
+            <a:r>
+              <a:rPr lang="en-US" dirty="0"/>
+              <a:t>Uses a variety of different comparators</a:t>
+            </a:r>
+          </a:p>
+          <a:p>
+            <a:endParaRPr lang="en-US" dirty="0"/>
+          </a:p>
+        </p:txBody>
+      </p:sp>
+      <p:pic>
+        <p:nvPicPr>
+          <p:cNvPr id="5" name="Picture 4">
+            <a:extLst>
+              <a:ext uri="{FF2B5EF4-FFF2-40B4-BE49-F238E27FC236}">
+                <a16:creationId xmlns:a16="http://schemas.microsoft.com/office/drawing/2014/main" id="{8DC4EF40-BEC0-4666-9D8A-97FA358A1227}"/>
+              </a:ext>
+            </a:extLst>
+          </p:cNvPr>
+          <p:cNvPicPr>
+            <a:picLocks noChangeAspect="1"/>
+          </p:cNvPicPr>
+          <p:nvPr/>
+        </p:nvPicPr>
+        <p:blipFill>
+          <a:blip r:embed="rId3"/>
+          <a:stretch>
+            <a:fillRect/>
+          </a:stretch>
+        </p:blipFill>
+        <p:spPr>
+          <a:xfrm>
+            <a:off x="1727336" y="3429000"/>
+            <a:ext cx="4033647" cy="2519516"/>
+          </a:xfrm>
+          <a:prstGeom prst="rect">
+            <a:avLst/>
+          </a:prstGeom>
+        </p:spPr>
+      </p:pic>
+    </p:spTree>
+    <p:extLst>
+      <p:ext uri="{BB962C8B-B14F-4D97-AF65-F5344CB8AC3E}">
+        <p14:creationId xmlns:p14="http://schemas.microsoft.com/office/powerpoint/2010/main" val="3513066719"/>
+      </p:ext>
+    </p:extLst>
+  </p:cSld>
+  <p:clrMapOvr>
+    <a:masterClrMapping/>
+  </p:clrMapOvr>
+</p:sld>
+</file>
+
+<file path=ppt/slides/slide11.xml><?xml version="1.0" encoding="utf-8"?>
+<p:sld xmlns:a="http://schemas.openxmlformats.org/drawingml/2006/main" xmlns:r="http://schemas.openxmlformats.org/officeDocument/2006/relationships" xmlns:p="http://schemas.openxmlformats.org/presentationml/2006/main">
+  <p:cSld>
+    <p:spTree>
+      <p:nvGrpSpPr>
+        <p:cNvPr id="1" name=""/>
+        <p:cNvGrpSpPr/>
+        <p:nvPr/>
+      </p:nvGrpSpPr>
+      <p:grpSpPr>
+        <a:xfrm>
+          <a:off x="0" y="0"/>
+          <a:ext cx="0" cy="0"/>
+          <a:chOff x="0" y="0"/>
+          <a:chExt cx="0" cy="0"/>
+        </a:xfrm>
+      </p:grpSpPr>
+      <p:pic>
+        <p:nvPicPr>
+          <p:cNvPr id="3" name="Picture 2">
+            <a:extLst>
+              <a:ext uri="{FF2B5EF4-FFF2-40B4-BE49-F238E27FC236}">
+                <a16:creationId xmlns:a16="http://schemas.microsoft.com/office/drawing/2014/main" id="{0436FEA8-4D46-FF54-2F31-1567F308DACA}"/>
+              </a:ext>
+            </a:extLst>
+          </p:cNvPr>
+          <p:cNvPicPr>
+            <a:picLocks noChangeAspect="1"/>
+          </p:cNvPicPr>
+          <p:nvPr/>
+        </p:nvPicPr>
+        <p:blipFill rotWithShape="1">
+          <a:blip r:embed="rId2"/>
+          <a:srcRect r="9368"/>
+          <a:stretch/>
+        </p:blipFill>
+        <p:spPr>
+          <a:xfrm>
+            <a:off x="473553" y="2638444"/>
+            <a:ext cx="7628993" cy="955178"/>
+          </a:xfrm>
+          <a:prstGeom prst="rect">
+            <a:avLst/>
+          </a:prstGeom>
+        </p:spPr>
+      </p:pic>
+      <p:sp>
+        <p:nvSpPr>
+          <p:cNvPr id="8" name="TextBox 7">
+            <a:extLst>
+              <a:ext uri="{FF2B5EF4-FFF2-40B4-BE49-F238E27FC236}">
+                <a16:creationId xmlns:a16="http://schemas.microsoft.com/office/drawing/2014/main" id="{1603417F-1070-891B-9A45-28978BAE31C8}"/>
+              </a:ext>
+            </a:extLst>
+          </p:cNvPr>
+          <p:cNvSpPr txBox="1"/>
+          <p:nvPr/>
+        </p:nvSpPr>
+        <p:spPr>
+          <a:xfrm>
+            <a:off x="609600" y="609600"/>
+            <a:ext cx="7391399" cy="1754326"/>
+          </a:xfrm>
+          <a:prstGeom prst="rect">
+            <a:avLst/>
+          </a:prstGeom>
+          <a:noFill/>
+        </p:spPr>
+        <p:txBody>
+          <a:bodyPr wrap="square" rtlCol="0">
+            <a:spAutoFit/>
+          </a:bodyPr>
+          <a:lstStyle/>
+          <a:p>
+            <a:r>
+              <a:rPr lang="en-US" sz="3600" dirty="0"/>
+              <a:t>Reminder: Student Voted Awards!</a:t>
+            </a:r>
+          </a:p>
+          <a:p>
+            <a:endParaRPr lang="en-US" sz="3600" dirty="0"/>
+          </a:p>
+          <a:p>
+            <a:r>
+              <a:rPr lang="en-US" sz="3600" dirty="0"/>
+              <a:t>+5 Incentive Points Each!</a:t>
+            </a:r>
+          </a:p>
+        </p:txBody>
+      </p:sp>
+      <p:pic>
+        <p:nvPicPr>
+          <p:cNvPr id="9" name="Picture 8">
+            <a:extLst>
+              <a:ext uri="{FF2B5EF4-FFF2-40B4-BE49-F238E27FC236}">
+                <a16:creationId xmlns:a16="http://schemas.microsoft.com/office/drawing/2014/main" id="{AB689CDE-42AA-EA0C-A7D6-FEDFF0473105}"/>
+              </a:ext>
+            </a:extLst>
+          </p:cNvPr>
+          <p:cNvPicPr>
+            <a:picLocks noChangeAspect="1"/>
+          </p:cNvPicPr>
+          <p:nvPr/>
+        </p:nvPicPr>
+        <p:blipFill rotWithShape="1">
+          <a:blip r:embed="rId3"/>
+          <a:srcRect r="17533"/>
+          <a:stretch/>
+        </p:blipFill>
+        <p:spPr>
+          <a:xfrm>
+            <a:off x="473553" y="3812037"/>
+            <a:ext cx="7628993" cy="1124623"/>
+          </a:xfrm>
+          <a:prstGeom prst="rect">
+            <a:avLst/>
+          </a:prstGeom>
+        </p:spPr>
+      </p:pic>
+      <p:pic>
+        <p:nvPicPr>
+          <p:cNvPr id="11" name="Picture 10">
+            <a:extLst>
+              <a:ext uri="{FF2B5EF4-FFF2-40B4-BE49-F238E27FC236}">
+                <a16:creationId xmlns:a16="http://schemas.microsoft.com/office/drawing/2014/main" id="{5BF6B350-CAEA-44D0-B103-F19761D2CBEE}"/>
+              </a:ext>
+            </a:extLst>
+          </p:cNvPr>
+          <p:cNvPicPr>
+            <a:picLocks noChangeAspect="1"/>
+          </p:cNvPicPr>
+          <p:nvPr/>
+        </p:nvPicPr>
+        <p:blipFill rotWithShape="1">
+          <a:blip r:embed="rId4"/>
+          <a:srcRect r="9616"/>
+          <a:stretch/>
+        </p:blipFill>
+        <p:spPr>
+          <a:xfrm>
+            <a:off x="423596" y="5041733"/>
+            <a:ext cx="8153400" cy="981217"/>
+          </a:xfrm>
+          <a:prstGeom prst="rect">
+            <a:avLst/>
+          </a:prstGeom>
+        </p:spPr>
+      </p:pic>
+    </p:spTree>
+    <p:extLst>
+      <p:ext uri="{BB962C8B-B14F-4D97-AF65-F5344CB8AC3E}">
+        <p14:creationId xmlns:p14="http://schemas.microsoft.com/office/powerpoint/2010/main" val="3406555752"/>
+      </p:ext>
+    </p:extLst>
+  </p:cSld>
+  <p:clrMapOvr>
+    <a:masterClrMapping/>
+  </p:clrMapOvr>
+</p:sld>
+</file>
+
 <file path=ppt/slides/slide2.xml><?xml version="1.0" encoding="utf-8"?>
 <p:sld xmlns:a="http://schemas.openxmlformats.org/drawingml/2006/main" xmlns:r="http://schemas.openxmlformats.org/officeDocument/2006/relationships" xmlns:p="http://schemas.openxmlformats.org/presentationml/2006/main">
   <p:cSld>
@@ -5491,7 +5897,13 @@
           <a:p>
             <a:r>
               <a:rPr lang="en-US" dirty="0"/>
-              <a:t>Project worktime</a:t>
+              <a:t>Course Evaluations</a:t>
+            </a:r>
+          </a:p>
+          <a:p>
+            <a:r>
+              <a:rPr lang="en-US" dirty="0"/>
+              <a:t>Project work time</a:t>
             </a:r>
           </a:p>
         </p:txBody>
@@ -5988,6 +6400,119 @@
       </p:grpSpPr>
       <p:sp>
         <p:nvSpPr>
+          <p:cNvPr id="2" name="Title 1">
+            <a:extLst>
+              <a:ext uri="{FF2B5EF4-FFF2-40B4-BE49-F238E27FC236}">
+                <a16:creationId xmlns:a16="http://schemas.microsoft.com/office/drawing/2014/main" id="{BC3FCE6D-5766-8571-11AF-CB0E937B9DA7}"/>
+              </a:ext>
+            </a:extLst>
+          </p:cNvPr>
+          <p:cNvSpPr>
+            <a:spLocks noGrp="1"/>
+          </p:cNvSpPr>
+          <p:nvPr>
+            <p:ph type="title"/>
+          </p:nvPr>
+        </p:nvSpPr>
+        <p:spPr/>
+        <p:txBody>
+          <a:bodyPr/>
+          <a:lstStyle/>
+          <a:p>
+            <a:r>
+              <a:rPr lang="en-US" dirty="0"/>
+              <a:t>Any useful information here?</a:t>
+            </a:r>
+          </a:p>
+        </p:txBody>
+      </p:sp>
+      <p:sp>
+        <p:nvSpPr>
+          <p:cNvPr id="3" name="Content Placeholder 2">
+            <a:extLst>
+              <a:ext uri="{FF2B5EF4-FFF2-40B4-BE49-F238E27FC236}">
+                <a16:creationId xmlns:a16="http://schemas.microsoft.com/office/drawing/2014/main" id="{E6908C7F-986B-104B-F469-A931C9FFE551}"/>
+              </a:ext>
+            </a:extLst>
+          </p:cNvPr>
+          <p:cNvSpPr>
+            <a:spLocks noGrp="1"/>
+          </p:cNvSpPr>
+          <p:nvPr>
+            <p:ph idx="1"/>
+          </p:nvPr>
+        </p:nvSpPr>
+        <p:spPr/>
+        <p:txBody>
+          <a:bodyPr/>
+          <a:lstStyle/>
+          <a:p>
+            <a:endParaRPr lang="en-US"/>
+          </a:p>
+        </p:txBody>
+      </p:sp>
+      <p:pic>
+        <p:nvPicPr>
+          <p:cNvPr id="5" name="Picture 4">
+            <a:extLst>
+              <a:ext uri="{FF2B5EF4-FFF2-40B4-BE49-F238E27FC236}">
+                <a16:creationId xmlns:a16="http://schemas.microsoft.com/office/drawing/2014/main" id="{4F165EBE-28A6-8DBC-94A6-F6F594F87735}"/>
+              </a:ext>
+            </a:extLst>
+          </p:cNvPr>
+          <p:cNvPicPr>
+            <a:picLocks noChangeAspect="1"/>
+          </p:cNvPicPr>
+          <p:nvPr/>
+        </p:nvPicPr>
+        <p:blipFill>
+          <a:blip r:embed="rId3"/>
+          <a:stretch>
+            <a:fillRect/>
+          </a:stretch>
+        </p:blipFill>
+        <p:spPr>
+          <a:xfrm>
+            <a:off x="0" y="1417638"/>
+            <a:ext cx="9144000" cy="5574713"/>
+          </a:xfrm>
+          <a:prstGeom prst="rect">
+            <a:avLst/>
+          </a:prstGeom>
+        </p:spPr>
+      </p:pic>
+    </p:spTree>
+    <p:extLst>
+      <p:ext uri="{BB962C8B-B14F-4D97-AF65-F5344CB8AC3E}">
+        <p14:creationId xmlns:p14="http://schemas.microsoft.com/office/powerpoint/2010/main" val="769893669"/>
+      </p:ext>
+    </p:extLst>
+  </p:cSld>
+  <p:clrMapOvr>
+    <a:masterClrMapping/>
+  </p:clrMapOvr>
+</p:sld>
+</file>
+
+<file path=ppt/slides/slide6.xml><?xml version="1.0" encoding="utf-8"?>
+<p:sld xmlns:a="http://schemas.openxmlformats.org/drawingml/2006/main" xmlns:r="http://schemas.openxmlformats.org/officeDocument/2006/relationships" xmlns:p="http://schemas.openxmlformats.org/presentationml/2006/main">
+  <p:cSld>
+    <p:spTree>
+      <p:nvGrpSpPr>
+        <p:cNvPr id="1" name=""/>
+        <p:cNvGrpSpPr/>
+        <p:nvPr/>
+      </p:nvGrpSpPr>
+      <p:grpSpPr>
+        <a:xfrm>
+          <a:off x="0" y="0"/>
+          <a:ext cx="0" cy="0"/>
+          <a:chOff x="0" y="0"/>
+          <a:chExt cx="0" cy="0"/>
+        </a:xfrm>
+      </p:grpSpPr>
+      <p:sp>
+        <p:nvSpPr>
           <p:cNvPr id="4" name="Title 3"/>
           <p:cNvSpPr>
             <a:spLocks noGrp="1"/>
@@ -6120,7 +6645,7 @@
 </p:sld>
 </file>
 
-<file path=ppt/slides/slide6.xml><?xml version="1.0" encoding="utf-8"?>
+<file path=ppt/slides/slide7.xml><?xml version="1.0" encoding="utf-8"?>
 <p:sld xmlns:a="http://schemas.openxmlformats.org/drawingml/2006/main" xmlns:r="http://schemas.openxmlformats.org/officeDocument/2006/relationships" xmlns:p="http://schemas.openxmlformats.org/presentationml/2006/main">
   <p:cSld>
     <p:spTree>
@@ -7973,7 +8498,7 @@
 </p:sld>
 </file>
 
-<file path=ppt/slides/slide7.xml><?xml version="1.0" encoding="utf-8"?>
+<file path=ppt/slides/slide8.xml><?xml version="1.0" encoding="utf-8"?>
 <p:sld xmlns:a="http://schemas.openxmlformats.org/drawingml/2006/main" xmlns:r="http://schemas.openxmlformats.org/officeDocument/2006/relationships" xmlns:p="http://schemas.openxmlformats.org/presentationml/2006/main">
   <p:cSld>
     <p:spTree>
@@ -8154,7 +8679,7 @@
 </p:sld>
 </file>
 
-<file path=ppt/slides/slide8.xml><?xml version="1.0" encoding="utf-8"?>
+<file path=ppt/slides/slide9.xml><?xml version="1.0" encoding="utf-8"?>
 <p:sld xmlns:a="http://schemas.openxmlformats.org/drawingml/2006/main" xmlns:r="http://schemas.openxmlformats.org/officeDocument/2006/relationships" xmlns:p="http://schemas.openxmlformats.org/presentationml/2006/main">
   <p:cSld>
     <p:spTree>
@@ -9106,131 +9631,6 @@
     <p:extLst>
       <p:ext uri="{BB962C8B-B14F-4D97-AF65-F5344CB8AC3E}">
         <p14:creationId xmlns:p14="http://schemas.microsoft.com/office/powerpoint/2010/main" val="192831339"/>
-      </p:ext>
-    </p:extLst>
-  </p:cSld>
-  <p:clrMapOvr>
-    <a:masterClrMapping/>
-  </p:clrMapOvr>
-</p:sld>
-</file>
-
-<file path=ppt/slides/slide9.xml><?xml version="1.0" encoding="utf-8"?>
-<p:sld xmlns:a="http://schemas.openxmlformats.org/drawingml/2006/main" xmlns:r="http://schemas.openxmlformats.org/officeDocument/2006/relationships" xmlns:p="http://schemas.openxmlformats.org/presentationml/2006/main">
-  <p:cSld>
-    <p:spTree>
-      <p:nvGrpSpPr>
-        <p:cNvPr id="1" name=""/>
-        <p:cNvGrpSpPr/>
-        <p:nvPr/>
-      </p:nvGrpSpPr>
-      <p:grpSpPr>
-        <a:xfrm>
-          <a:off x="0" y="0"/>
-          <a:ext cx="0" cy="0"/>
-          <a:chOff x="0" y="0"/>
-          <a:chExt cx="0" cy="0"/>
-        </a:xfrm>
-      </p:grpSpPr>
-      <p:sp>
-        <p:nvSpPr>
-          <p:cNvPr id="2" name="Title 1">
-            <a:extLst>
-              <a:ext uri="{FF2B5EF4-FFF2-40B4-BE49-F238E27FC236}">
-                <a16:creationId xmlns:a16="http://schemas.microsoft.com/office/drawing/2014/main" id="{563F3E44-2F9A-CC8F-BBBE-98B2E5CEFBD3}"/>
-              </a:ext>
-            </a:extLst>
-          </p:cNvPr>
-          <p:cNvSpPr>
-            <a:spLocks noGrp="1"/>
-          </p:cNvSpPr>
-          <p:nvPr>
-            <p:ph type="title"/>
-          </p:nvPr>
-        </p:nvSpPr>
-        <p:spPr/>
-        <p:txBody>
-          <a:bodyPr/>
-          <a:lstStyle/>
-          <a:p>
-            <a:r>
-              <a:rPr lang="en-US" dirty="0"/>
-              <a:t>Extra Comparator Practice</a:t>
-            </a:r>
-          </a:p>
-        </p:txBody>
-      </p:sp>
-      <p:sp>
-        <p:nvSpPr>
-          <p:cNvPr id="3" name="Content Placeholder 2">
-            <a:extLst>
-              <a:ext uri="{FF2B5EF4-FFF2-40B4-BE49-F238E27FC236}">
-                <a16:creationId xmlns:a16="http://schemas.microsoft.com/office/drawing/2014/main" id="{7FD7CAED-8F04-42A1-5279-4CF44CB623C3}"/>
-              </a:ext>
-            </a:extLst>
-          </p:cNvPr>
-          <p:cNvSpPr>
-            <a:spLocks noGrp="1"/>
-          </p:cNvSpPr>
-          <p:nvPr>
-            <p:ph idx="1"/>
-          </p:nvPr>
-        </p:nvSpPr>
-        <p:spPr/>
-        <p:txBody>
-          <a:bodyPr/>
-          <a:lstStyle/>
-          <a:p>
-            <a:r>
-              <a:rPr lang="en-US" dirty="0"/>
-              <a:t>See function package for additional practice</a:t>
-            </a:r>
-          </a:p>
-          <a:p>
-            <a:r>
-              <a:rPr lang="en-US" dirty="0"/>
-              <a:t>Uses a variety of different comparators</a:t>
-            </a:r>
-          </a:p>
-          <a:p>
-            <a:endParaRPr lang="en-US" dirty="0"/>
-          </a:p>
-        </p:txBody>
-      </p:sp>
-      <p:pic>
-        <p:nvPicPr>
-          <p:cNvPr id="5" name="Picture 4">
-            <a:extLst>
-              <a:ext uri="{FF2B5EF4-FFF2-40B4-BE49-F238E27FC236}">
-                <a16:creationId xmlns:a16="http://schemas.microsoft.com/office/drawing/2014/main" id="{8DC4EF40-BEC0-4666-9D8A-97FA358A1227}"/>
-              </a:ext>
-            </a:extLst>
-          </p:cNvPr>
-          <p:cNvPicPr>
-            <a:picLocks noChangeAspect="1"/>
-          </p:cNvPicPr>
-          <p:nvPr/>
-        </p:nvPicPr>
-        <p:blipFill>
-          <a:blip r:embed="rId3"/>
-          <a:stretch>
-            <a:fillRect/>
-          </a:stretch>
-        </p:blipFill>
-        <p:spPr>
-          <a:xfrm>
-            <a:off x="1727336" y="3429000"/>
-            <a:ext cx="4033647" cy="2519516"/>
-          </a:xfrm>
-          <a:prstGeom prst="rect">
-            <a:avLst/>
-          </a:prstGeom>
-        </p:spPr>
-      </p:pic>
-    </p:spTree>
-    <p:extLst>
-      <p:ext uri="{BB962C8B-B14F-4D97-AF65-F5344CB8AC3E}">
-        <p14:creationId xmlns:p14="http://schemas.microsoft.com/office/powerpoint/2010/main" val="3513066719"/>
       </p:ext>
     </p:extLst>
   </p:cSld>

--- a/ClassMaterials/ComparableAndComparators/Slides/Part1-ComparableComparator.pptx
+++ b/ClassMaterials/ComparableAndComparators/Slides/Part1-ComparableComparator.pptx
@@ -422,7 +422,7 @@
               <a:pPr>
                 <a:defRPr/>
               </a:pPr>
-              <a:t>2/25/2024</a:t>
+              <a:t>4/21/2025</a:t>
             </a:fld>
             <a:endParaRPr lang="en-US"/>
           </a:p>
@@ -657,7 +657,7 @@
               <a:pPr>
                 <a:defRPr/>
               </a:pPr>
-              <a:t>2/25/2024</a:t>
+              <a:t>4/21/2025</a:t>
             </a:fld>
             <a:endParaRPr lang="en-US"/>
           </a:p>
@@ -2309,7 +2309,7 @@
               <a:pPr>
                 <a:defRPr/>
               </a:pPr>
-              <a:t>Sunday, February 25, 2024</a:t>
+              <a:t>Monday, April 21, 2025</a:t>
             </a:fld>
             <a:endParaRPr lang="en-US" dirty="0"/>
           </a:p>
@@ -2492,7 +2492,7 @@
               <a:pPr>
                 <a:defRPr/>
               </a:pPr>
-              <a:t>Sunday, February 25, 2024</a:t>
+              <a:t>Monday, April 21, 2025</a:t>
             </a:fld>
             <a:endParaRPr lang="en-US" dirty="0"/>
           </a:p>
@@ -2685,7 +2685,7 @@
               <a:pPr>
                 <a:defRPr/>
               </a:pPr>
-              <a:t>Sunday, February 25, 2024</a:t>
+              <a:t>Monday, April 21, 2025</a:t>
             </a:fld>
             <a:endParaRPr lang="en-US" dirty="0"/>
           </a:p>
@@ -2868,7 +2868,7 @@
               <a:pPr>
                 <a:defRPr/>
               </a:pPr>
-              <a:t>Sunday, February 25, 2024</a:t>
+              <a:t>Monday, April 21, 2025</a:t>
             </a:fld>
             <a:endParaRPr lang="en-US" dirty="0"/>
           </a:p>
@@ -3128,7 +3128,7 @@
               <a:pPr>
                 <a:defRPr/>
               </a:pPr>
-              <a:t>Sunday, February 25, 2024</a:t>
+              <a:t>Monday, April 21, 2025</a:t>
             </a:fld>
             <a:endParaRPr lang="en-US"/>
           </a:p>
@@ -3428,7 +3428,7 @@
               <a:pPr>
                 <a:defRPr/>
               </a:pPr>
-              <a:t>Sunday, February 25, 2024</a:t>
+              <a:t>Monday, April 21, 2025</a:t>
             </a:fld>
             <a:endParaRPr lang="en-US"/>
           </a:p>
@@ -3862,7 +3862,7 @@
               <a:pPr>
                 <a:defRPr/>
               </a:pPr>
-              <a:t>Sunday, February 25, 2024</a:t>
+              <a:t>Monday, April 21, 2025</a:t>
             </a:fld>
             <a:endParaRPr lang="en-US"/>
           </a:p>
@@ -3994,7 +3994,7 @@
               <a:pPr>
                 <a:defRPr/>
               </a:pPr>
-              <a:t>Sunday, February 25, 2024</a:t>
+              <a:t>Monday, April 21, 2025</a:t>
             </a:fld>
             <a:endParaRPr lang="en-US"/>
           </a:p>
@@ -4104,7 +4104,7 @@
               <a:pPr>
                 <a:defRPr/>
               </a:pPr>
-              <a:t>Sunday, February 25, 2024</a:t>
+              <a:t>Monday, April 21, 2025</a:t>
             </a:fld>
             <a:endParaRPr lang="en-US" dirty="0"/>
           </a:p>
@@ -4394,7 +4394,7 @@
               <a:pPr>
                 <a:defRPr/>
               </a:pPr>
-              <a:t>Sunday, February 25, 2024</a:t>
+              <a:t>Monday, April 21, 2025</a:t>
             </a:fld>
             <a:endParaRPr lang="en-US"/>
           </a:p>
@@ -4661,7 +4661,7 @@
               <a:pPr>
                 <a:defRPr/>
               </a:pPr>
-              <a:t>Sunday, February 25, 2024</a:t>
+              <a:t>Monday, April 21, 2025</a:t>
             </a:fld>
             <a:endParaRPr lang="en-US"/>
           </a:p>
@@ -4887,7 +4887,7 @@
               <a:pPr>
                 <a:defRPr/>
               </a:pPr>
-              <a:t>Sunday, February 25, 2024</a:t>
+              <a:t>Monday, April 21, 2025</a:t>
             </a:fld>
             <a:endParaRPr lang="en-US" dirty="0"/>
           </a:p>
@@ -5446,72 +5446,64 @@
       </p:sp>
       <p:sp>
         <p:nvSpPr>
-          <p:cNvPr id="3" name="TextBox 2">
+          <p:cNvPr id="4" name="Shape 54">
             <a:extLst>
               <a:ext uri="{FF2B5EF4-FFF2-40B4-BE49-F238E27FC236}">
-                <a16:creationId xmlns:a16="http://schemas.microsoft.com/office/drawing/2014/main" id="{9CCE0C05-41E7-B08F-1745-A39212AAADF5}"/>
+                <a16:creationId xmlns:a16="http://schemas.microsoft.com/office/drawing/2014/main" id="{5A61B6F3-CBFA-9EF3-4887-B6A92F13EBE9}"/>
               </a:ext>
             </a:extLst>
           </p:cNvPr>
-          <p:cNvSpPr txBox="1"/>
+          <p:cNvSpPr/>
           <p:nvPr/>
         </p:nvSpPr>
         <p:spPr>
           <a:xfrm>
-            <a:off x="3048001" y="-20697"/>
-            <a:ext cx="5903496" cy="1046440"/>
+            <a:off x="5539154" y="209686"/>
+            <a:ext cx="3346430" cy="738664"/>
           </a:xfrm>
           <a:prstGeom prst="rect">
             <a:avLst/>
           </a:prstGeom>
-          <a:noFill/>
-          <a:ln w="12700" cap="flat">
-            <a:noFill/>
-            <a:miter lim="400000"/>
+          <a:solidFill>
+            <a:srgbClr val="9BBB59"/>
+          </a:solidFill>
+          <a:ln w="25400" cap="rnd">
+            <a:solidFill>
+              <a:srgbClr val="718841"/>
+            </a:solidFill>
           </a:ln>
-          <a:effectLst/>
+          <a:extLst>
+            <a:ext uri="{C572A759-6A51-4108-AA02-DFA0A04FC94B}">
+              <ma14:wrappingTextBoxFlag xmlns:ma14="http://schemas.microsoft.com/office/mac/drawingml/2011/main" xmlns="" val="1"/>
+            </a:ext>
+          </a:extLst>
         </p:spPr>
-        <p:style>
-          <a:lnRef idx="0">
-            <a:scrgbClr r="0" g="0" b="0"/>
-          </a:lnRef>
-          <a:fillRef idx="0">
-            <a:scrgbClr r="0" g="0" b="0"/>
-          </a:fillRef>
-          <a:effectRef idx="0">
-            <a:scrgbClr r="0" g="0" b="0"/>
-          </a:effectRef>
-          <a:fontRef idx="none"/>
-        </p:style>
-        <p:txBody>
-          <a:bodyPr wrap="square">
+        <p:txBody>
+          <a:bodyPr wrap="square" lIns="0" tIns="0" rIns="0" bIns="0">
             <a:spAutoFit/>
           </a:bodyPr>
           <a:lstStyle/>
           <a:p>
-            <a:r>
-              <a:rPr lang="en-US" dirty="0">
-                <a:highlight>
-                  <a:srgbClr val="FFFF00"/>
-                </a:highlight>
-              </a:rPr>
-              <a:t>Today’s Attendance password</a:t>
-            </a:r>
-          </a:p>
-          <a:p>
-            <a:r>
-              <a:rPr lang="en-US" sz="4400">
-                <a:highlight>
-                  <a:srgbClr val="FFFF00"/>
-                </a:highlight>
-              </a:rPr>
-              <a:t>___________</a:t>
-            </a:r>
-            <a:endParaRPr lang="en-US" sz="4400" dirty="0">
-              <a:highlight>
-                <a:srgbClr val="FFFF00"/>
-              </a:highlight>
-            </a:endParaRPr>
+            <a:pPr lvl="0"/>
+            <a:r>
+              <a:rPr lang="en-US" sz="2400" i="1" dirty="0">
+                <a:solidFill>
+                  <a:srgbClr val="FFFFFF"/>
+                </a:solidFill>
+              </a:rPr>
+              <a:t> Attendance password    </a:t>
+            </a:r>
+          </a:p>
+          <a:p>
+            <a:pPr lvl="0"/>
+            <a:r>
+              <a:rPr lang="en-US" sz="2400" i="1" dirty="0">
+                <a:solidFill>
+                  <a:srgbClr val="FFFFFF"/>
+                </a:solidFill>
+              </a:rPr>
+              <a:t> is written on the board</a:t>
+            </a:r>
           </a:p>
         </p:txBody>
       </p:sp>
@@ -10673,18 +10665,18 @@
 </file>
 
 <file path=customXml/item2.xml><?xml version="1.0" encoding="utf-8"?>
-<p:properties xmlns:p="http://schemas.microsoft.com/office/2006/metadata/properties" xmlns:xsi="http://www.w3.org/2001/XMLSchema-instance" xmlns:pc="http://schemas.microsoft.com/office/infopath/2007/PartnerControls">
-  <documentManagement/>
-</p:properties>
-</file>
-
-<file path=customXml/item3.xml><?xml version="1.0" encoding="utf-8"?>
 <?mso-contentType ?>
 <FormTemplates xmlns="http://schemas.microsoft.com/sharepoint/v3/contenttype/forms">
   <Display>DocumentLibraryForm</Display>
   <Edit>DocumentLibraryForm</Edit>
   <New>DocumentLibraryForm</New>
 </FormTemplates>
+</file>
+
+<file path=customXml/item3.xml><?xml version="1.0" encoding="utf-8"?>
+<p:properties xmlns:p="http://schemas.microsoft.com/office/2006/metadata/properties" xmlns:xsi="http://www.w3.org/2001/XMLSchema-instance" xmlns:pc="http://schemas.microsoft.com/office/infopath/2007/PartnerControls">
+  <documentManagement/>
+</p:properties>
 </file>
 
 <file path=customXml/itemProps1.xml><?xml version="1.0" encoding="utf-8"?>
@@ -10706,18 +10698,18 @@
 </file>
 
 <file path=customXml/itemProps2.xml><?xml version="1.0" encoding="utf-8"?>
+<ds:datastoreItem xmlns:ds="http://schemas.openxmlformats.org/officeDocument/2006/customXml" ds:itemID="{18BF21EC-2312-45E2-BCEE-8937A76D9E24}">
+  <ds:schemaRefs>
+    <ds:schemaRef ds:uri="http://schemas.microsoft.com/sharepoint/v3/contenttype/forms"/>
+  </ds:schemaRefs>
+</ds:datastoreItem>
+</file>
+
+<file path=customXml/itemProps3.xml><?xml version="1.0" encoding="utf-8"?>
 <ds:datastoreItem xmlns:ds="http://schemas.openxmlformats.org/officeDocument/2006/customXml" ds:itemID="{CFD45979-7452-4F9F-A6D3-7748092E7DDA}">
   <ds:schemaRefs>
     <ds:schemaRef ds:uri="http://schemas.microsoft.com/office/2006/metadata/properties"/>
     <ds:schemaRef ds:uri="http://schemas.microsoft.com/office/infopath/2007/PartnerControls"/>
   </ds:schemaRefs>
 </ds:datastoreItem>
-</file>
-
-<file path=customXml/itemProps3.xml><?xml version="1.0" encoding="utf-8"?>
-<ds:datastoreItem xmlns:ds="http://schemas.openxmlformats.org/officeDocument/2006/customXml" ds:itemID="{18BF21EC-2312-45E2-BCEE-8937A76D9E24}">
-  <ds:schemaRefs>
-    <ds:schemaRef ds:uri="http://schemas.microsoft.com/sharepoint/v3/contenttype/forms"/>
-  </ds:schemaRefs>
-</ds:datastoreItem>
 </file>
--- a/ClassMaterials/ComparableAndComparators/Slides/Part1-ComparableComparator.pptx
+++ b/ClassMaterials/ComparableAndComparators/Slides/Part1-ComparableComparator.pptx
@@ -422,7 +422,7 @@
               <a:pPr>
                 <a:defRPr/>
               </a:pPr>
-              <a:t>4/21/2025</a:t>
+              <a:t>5/26/2025</a:t>
             </a:fld>
             <a:endParaRPr lang="en-US"/>
           </a:p>
@@ -657,7 +657,7 @@
               <a:pPr>
                 <a:defRPr/>
               </a:pPr>
-              <a:t>4/21/2025</a:t>
+              <a:t>5/26/2025</a:t>
             </a:fld>
             <a:endParaRPr lang="en-US"/>
           </a:p>
@@ -2309,7 +2309,7 @@
               <a:pPr>
                 <a:defRPr/>
               </a:pPr>
-              <a:t>Monday, April 21, 2025</a:t>
+              <a:t>Monday, May 26, 2025</a:t>
             </a:fld>
             <a:endParaRPr lang="en-US" dirty="0"/>
           </a:p>
@@ -2492,7 +2492,7 @@
               <a:pPr>
                 <a:defRPr/>
               </a:pPr>
-              <a:t>Monday, April 21, 2025</a:t>
+              <a:t>Monday, May 26, 2025</a:t>
             </a:fld>
             <a:endParaRPr lang="en-US" dirty="0"/>
           </a:p>
@@ -2685,7 +2685,7 @@
               <a:pPr>
                 <a:defRPr/>
               </a:pPr>
-              <a:t>Monday, April 21, 2025</a:t>
+              <a:t>Monday, May 26, 2025</a:t>
             </a:fld>
             <a:endParaRPr lang="en-US" dirty="0"/>
           </a:p>
@@ -2868,7 +2868,7 @@
               <a:pPr>
                 <a:defRPr/>
               </a:pPr>
-              <a:t>Monday, April 21, 2025</a:t>
+              <a:t>Monday, May 26, 2025</a:t>
             </a:fld>
             <a:endParaRPr lang="en-US" dirty="0"/>
           </a:p>
@@ -3128,7 +3128,7 @@
               <a:pPr>
                 <a:defRPr/>
               </a:pPr>
-              <a:t>Monday, April 21, 2025</a:t>
+              <a:t>Monday, May 26, 2025</a:t>
             </a:fld>
             <a:endParaRPr lang="en-US"/>
           </a:p>
@@ -3428,7 +3428,7 @@
               <a:pPr>
                 <a:defRPr/>
               </a:pPr>
-              <a:t>Monday, April 21, 2025</a:t>
+              <a:t>Monday, May 26, 2025</a:t>
             </a:fld>
             <a:endParaRPr lang="en-US"/>
           </a:p>
@@ -3862,7 +3862,7 @@
               <a:pPr>
                 <a:defRPr/>
               </a:pPr>
-              <a:t>Monday, April 21, 2025</a:t>
+              <a:t>Monday, May 26, 2025</a:t>
             </a:fld>
             <a:endParaRPr lang="en-US"/>
           </a:p>
@@ -3994,7 +3994,7 @@
               <a:pPr>
                 <a:defRPr/>
               </a:pPr>
-              <a:t>Monday, April 21, 2025</a:t>
+              <a:t>Monday, May 26, 2025</a:t>
             </a:fld>
             <a:endParaRPr lang="en-US"/>
           </a:p>
@@ -4104,7 +4104,7 @@
               <a:pPr>
                 <a:defRPr/>
               </a:pPr>
-              <a:t>Monday, April 21, 2025</a:t>
+              <a:t>Monday, May 26, 2025</a:t>
             </a:fld>
             <a:endParaRPr lang="en-US" dirty="0"/>
           </a:p>
@@ -4394,7 +4394,7 @@
               <a:pPr>
                 <a:defRPr/>
               </a:pPr>
-              <a:t>Monday, April 21, 2025</a:t>
+              <a:t>Monday, May 26, 2025</a:t>
             </a:fld>
             <a:endParaRPr lang="en-US"/>
           </a:p>
@@ -4661,7 +4661,7 @@
               <a:pPr>
                 <a:defRPr/>
               </a:pPr>
-              <a:t>Monday, April 21, 2025</a:t>
+              <a:t>Monday, May 26, 2025</a:t>
             </a:fld>
             <a:endParaRPr lang="en-US"/>
           </a:p>
@@ -4887,7 +4887,7 @@
               <a:pPr>
                 <a:defRPr/>
               </a:pPr>
-              <a:t>Monday, April 21, 2025</a:t>
+              <a:t>Monday, May 26, 2025</a:t>
             </a:fld>
             <a:endParaRPr lang="en-US" dirty="0"/>
           </a:p>

--- a/ClassMaterials/ComparableAndComparators/Slides/Part1-ComparableComparator.pptx
+++ b/ClassMaterials/ComparableAndComparators/Slides/Part1-ComparableComparator.pptx
@@ -422,7 +422,7 @@
               <a:pPr>
                 <a:defRPr/>
               </a:pPr>
-              <a:t>5/26/2025</a:t>
+              <a:t>6/5/2025</a:t>
             </a:fld>
             <a:endParaRPr lang="en-US"/>
           </a:p>
@@ -657,7 +657,7 @@
               <a:pPr>
                 <a:defRPr/>
               </a:pPr>
-              <a:t>5/26/2025</a:t>
+              <a:t>6/5/2025</a:t>
             </a:fld>
             <a:endParaRPr lang="en-US"/>
           </a:p>
@@ -2309,7 +2309,7 @@
               <a:pPr>
                 <a:defRPr/>
               </a:pPr>
-              <a:t>Monday, May 26, 2025</a:t>
+              <a:t>Thursday, June 5, 2025</a:t>
             </a:fld>
             <a:endParaRPr lang="en-US" dirty="0"/>
           </a:p>
@@ -2492,7 +2492,7 @@
               <a:pPr>
                 <a:defRPr/>
               </a:pPr>
-              <a:t>Monday, May 26, 2025</a:t>
+              <a:t>Thursday, June 5, 2025</a:t>
             </a:fld>
             <a:endParaRPr lang="en-US" dirty="0"/>
           </a:p>
@@ -2685,7 +2685,7 @@
               <a:pPr>
                 <a:defRPr/>
               </a:pPr>
-              <a:t>Monday, May 26, 2025</a:t>
+              <a:t>Thursday, June 5, 2025</a:t>
             </a:fld>
             <a:endParaRPr lang="en-US" dirty="0"/>
           </a:p>
@@ -2868,7 +2868,7 @@
               <a:pPr>
                 <a:defRPr/>
               </a:pPr>
-              <a:t>Monday, May 26, 2025</a:t>
+              <a:t>Thursday, June 5, 2025</a:t>
             </a:fld>
             <a:endParaRPr lang="en-US" dirty="0"/>
           </a:p>
@@ -3128,7 +3128,7 @@
               <a:pPr>
                 <a:defRPr/>
               </a:pPr>
-              <a:t>Monday, May 26, 2025</a:t>
+              <a:t>Thursday, June 5, 2025</a:t>
             </a:fld>
             <a:endParaRPr lang="en-US"/>
           </a:p>
@@ -3428,7 +3428,7 @@
               <a:pPr>
                 <a:defRPr/>
               </a:pPr>
-              <a:t>Monday, May 26, 2025</a:t>
+              <a:t>Thursday, June 5, 2025</a:t>
             </a:fld>
             <a:endParaRPr lang="en-US"/>
           </a:p>
@@ -3862,7 +3862,7 @@
               <a:pPr>
                 <a:defRPr/>
               </a:pPr>
-              <a:t>Monday, May 26, 2025</a:t>
+              <a:t>Thursday, June 5, 2025</a:t>
             </a:fld>
             <a:endParaRPr lang="en-US"/>
           </a:p>
@@ -3994,7 +3994,7 @@
               <a:pPr>
                 <a:defRPr/>
               </a:pPr>
-              <a:t>Monday, May 26, 2025</a:t>
+              <a:t>Thursday, June 5, 2025</a:t>
             </a:fld>
             <a:endParaRPr lang="en-US"/>
           </a:p>
@@ -4104,7 +4104,7 @@
               <a:pPr>
                 <a:defRPr/>
               </a:pPr>
-              <a:t>Monday, May 26, 2025</a:t>
+              <a:t>Thursday, June 5, 2025</a:t>
             </a:fld>
             <a:endParaRPr lang="en-US" dirty="0"/>
           </a:p>
@@ -4394,7 +4394,7 @@
               <a:pPr>
                 <a:defRPr/>
               </a:pPr>
-              <a:t>Monday, May 26, 2025</a:t>
+              <a:t>Thursday, June 5, 2025</a:t>
             </a:fld>
             <a:endParaRPr lang="en-US"/>
           </a:p>
@@ -4661,7 +4661,7 @@
               <a:pPr>
                 <a:defRPr/>
               </a:pPr>
-              <a:t>Monday, May 26, 2025</a:t>
+              <a:t>Thursday, June 5, 2025</a:t>
             </a:fld>
             <a:endParaRPr lang="en-US"/>
           </a:p>
@@ -4887,7 +4887,7 @@
               <a:pPr>
                 <a:defRPr/>
               </a:pPr>
-              <a:t>Monday, May 26, 2025</a:t>
+              <a:t>Thursday, June 5, 2025</a:t>
             </a:fld>
             <a:endParaRPr lang="en-US" dirty="0"/>
           </a:p>
@@ -5349,7 +5349,7 @@
         <p:spPr>
           <a:xfrm>
             <a:off x="304800" y="4533900"/>
-            <a:ext cx="8534400" cy="2042264"/>
+            <a:ext cx="8534400" cy="2324100"/>
           </a:xfrm>
           <a:prstGeom prst="rect">
             <a:avLst/>
@@ -5426,6 +5426,17 @@
             <a:endParaRPr lang="en-US" sz="2400" i="1" dirty="0"/>
           </a:p>
           <a:p>
+            <a:pPr marL="342900" indent="-342900">
+              <a:buFont typeface="Arial" panose="020B0604020202020204" pitchFamily="34" charset="0"/>
+              <a:buChar char="•"/>
+            </a:pPr>
+            <a:r>
+              <a:rPr lang="en-US" sz="2400" i="1" dirty="0" err="1"/>
+              <a:t>PracticeSolutionChessJARDemo</a:t>
+            </a:r>
+            <a:endParaRPr lang="en-US" sz="2400" i="1" dirty="0"/>
+          </a:p>
+          <a:p>
             <a:r>
               <a:rPr lang="en-US" sz="2400" i="1" dirty="0"/>
               <a:t>This Quiz for today is:</a:t>
@@ -5474,7 +5485,7 @@
           </a:ln>
           <a:extLst>
             <a:ext uri="{C572A759-6A51-4108-AA02-DFA0A04FC94B}">
-              <ma14:wrappingTextBoxFlag xmlns:ma14="http://schemas.microsoft.com/office/mac/drawingml/2011/main" xmlns="" val="1"/>
+              <ma14:wrappingTextBoxFlag xmlns="" xmlns:ma14="http://schemas.microsoft.com/office/mac/drawingml/2011/main" val="1"/>
             </a:ext>
           </a:extLst>
         </p:spPr>
@@ -10481,6 +10492,15 @@
 </file>
 
 <file path=customXml/item1.xml><?xml version="1.0" encoding="utf-8"?>
+<?mso-contentType ?>
+<FormTemplates xmlns="http://schemas.microsoft.com/sharepoint/v3/contenttype/forms">
+  <Display>DocumentLibraryForm</Display>
+  <Edit>DocumentLibraryForm</Edit>
+  <New>DocumentLibraryForm</New>
+</FormTemplates>
+</file>
+
+<file path=customXml/item2.xml><?xml version="1.0" encoding="utf-8"?>
 <ct:contentTypeSchema xmlns:ct="http://schemas.microsoft.com/office/2006/metadata/contentType" xmlns:ma="http://schemas.microsoft.com/office/2006/metadata/properties/metaAttributes" ct:_="" ma:_="" ma:contentTypeName="Document" ma:contentTypeID="0x0101001570BCAAD2E4294F9443DCB038A55380" ma:contentTypeVersion="10" ma:contentTypeDescription="Create a new document." ma:contentTypeScope="" ma:versionID="84c2e02ee7a0dfaa743622fbac484332">
   <xsd:schema xmlns:xsd="http://www.w3.org/2001/XMLSchema" xmlns:xs="http://www.w3.org/2001/XMLSchema" xmlns:p="http://schemas.microsoft.com/office/2006/metadata/properties" xmlns:ns2="201674f6-2bdd-4f13-ba1e-424e4aa70473" targetNamespace="http://schemas.microsoft.com/office/2006/metadata/properties" ma:root="true" ma:fieldsID="0b220e6722f2c0d473d2d30e5cad202c" ns2:_="">
     <xsd:import namespace="201674f6-2bdd-4f13-ba1e-424e4aa70473"/>
@@ -10664,15 +10684,6 @@
 </ct:contentTypeSchema>
 </file>
 
-<file path=customXml/item2.xml><?xml version="1.0" encoding="utf-8"?>
-<?mso-contentType ?>
-<FormTemplates xmlns="http://schemas.microsoft.com/sharepoint/v3/contenttype/forms">
-  <Display>DocumentLibraryForm</Display>
-  <Edit>DocumentLibraryForm</Edit>
-  <New>DocumentLibraryForm</New>
-</FormTemplates>
-</file>
-
 <file path=customXml/item3.xml><?xml version="1.0" encoding="utf-8"?>
 <p:properties xmlns:p="http://schemas.microsoft.com/office/2006/metadata/properties" xmlns:xsi="http://www.w3.org/2001/XMLSchema-instance" xmlns:pc="http://schemas.microsoft.com/office/infopath/2007/PartnerControls">
   <documentManagement/>
@@ -10680,6 +10691,14 @@
 </file>
 
 <file path=customXml/itemProps1.xml><?xml version="1.0" encoding="utf-8"?>
+<ds:datastoreItem xmlns:ds="http://schemas.openxmlformats.org/officeDocument/2006/customXml" ds:itemID="{18BF21EC-2312-45E2-BCEE-8937A76D9E24}">
+  <ds:schemaRefs>
+    <ds:schemaRef ds:uri="http://schemas.microsoft.com/sharepoint/v3/contenttype/forms"/>
+  </ds:schemaRefs>
+</ds:datastoreItem>
+</file>
+
+<file path=customXml/itemProps2.xml><?xml version="1.0" encoding="utf-8"?>
 <ds:datastoreItem xmlns:ds="http://schemas.openxmlformats.org/officeDocument/2006/customXml" ds:itemID="{40A09E4F-BF38-48A0-AF6F-D0173F0C7B46}">
   <ds:schemaRefs>
     <ds:schemaRef ds:uri="http://schemas.microsoft.com/office/2006/metadata/contentType"/>
@@ -10697,14 +10716,6 @@
 </ds:datastoreItem>
 </file>
 
-<file path=customXml/itemProps2.xml><?xml version="1.0" encoding="utf-8"?>
-<ds:datastoreItem xmlns:ds="http://schemas.openxmlformats.org/officeDocument/2006/customXml" ds:itemID="{18BF21EC-2312-45E2-BCEE-8937A76D9E24}">
-  <ds:schemaRefs>
-    <ds:schemaRef ds:uri="http://schemas.microsoft.com/sharepoint/v3/contenttype/forms"/>
-  </ds:schemaRefs>
-</ds:datastoreItem>
-</file>
-
 <file path=customXml/itemProps3.xml><?xml version="1.0" encoding="utf-8"?>
 <ds:datastoreItem xmlns:ds="http://schemas.openxmlformats.org/officeDocument/2006/customXml" ds:itemID="{CFD45979-7452-4F9F-A6D3-7748092E7DDA}">
   <ds:schemaRefs>
